--- a/CalendarioAgo2023/presentaciones/18_Expresiones_regulares.pptx
+++ b/CalendarioAgo2023/presentaciones/18_Expresiones_regulares.pptx
@@ -61,7 +61,7 @@
     <p:sldId id="282" r:id="rId52"/>
   </p:sldIdLst>
   <p:sldSz cx="9144000" cy="6858000" type="screen4x3"/>
-  <p:notesSz cx="6858000" cy="9144000"/>
+  <p:notesSz cx="7010400" cy="9296400"/>
   <p:defaultTextStyle>
     <a:defPPr>
       <a:defRPr lang="es-MX"/>
@@ -211,14 +211,14 @@
         <p:spPr>
           <a:xfrm>
             <a:off x="0" y="0"/>
-            <a:ext cx="2971800" cy="457200"/>
+            <a:ext cx="3037840" cy="464820"/>
           </a:xfrm>
           <a:prstGeom prst="rect">
             <a:avLst/>
           </a:prstGeom>
         </p:spPr>
         <p:txBody>
-          <a:bodyPr vert="horz" lIns="91440" tIns="45720" rIns="91440" bIns="45720" rtlCol="0"/>
+          <a:bodyPr vert="horz" lIns="93177" tIns="46589" rIns="93177" bIns="46589" rtlCol="0"/>
           <a:lstStyle>
             <a:lvl1pPr algn="l">
               <a:defRPr sz="1200"/>
@@ -241,15 +241,15 @@
         </p:nvSpPr>
         <p:spPr>
           <a:xfrm>
-            <a:off x="3884613" y="0"/>
-            <a:ext cx="2971800" cy="457200"/>
+            <a:off x="3970938" y="0"/>
+            <a:ext cx="3037840" cy="464820"/>
           </a:xfrm>
           <a:prstGeom prst="rect">
             <a:avLst/>
           </a:prstGeom>
         </p:spPr>
         <p:txBody>
-          <a:bodyPr vert="horz" lIns="91440" tIns="45720" rIns="91440" bIns="45720" rtlCol="0"/>
+          <a:bodyPr vert="horz" lIns="93177" tIns="46589" rIns="93177" bIns="46589" rtlCol="0"/>
           <a:lstStyle>
             <a:lvl1pPr algn="r">
               <a:defRPr sz="1200"/>
@@ -258,7 +258,7 @@
           <a:p>
             <a:fld id="{DDE721D5-655F-45D2-B717-3C4CD78C8568}" type="datetimeFigureOut">
               <a:rPr lang="es-MX" smtClean="0"/>
-              <a:t>08/03/2023</a:t>
+              <a:t>30/08/2023</a:t>
             </a:fld>
             <a:endParaRPr lang="es-MX" dirty="0"/>
           </a:p>
@@ -276,8 +276,8 @@
         </p:nvSpPr>
         <p:spPr>
           <a:xfrm>
-            <a:off x="1143000" y="685800"/>
-            <a:ext cx="4572000" cy="3429000"/>
+            <a:off x="1181100" y="696913"/>
+            <a:ext cx="4648200" cy="3486150"/>
           </a:xfrm>
           <a:prstGeom prst="rect">
             <a:avLst/>
@@ -290,7 +290,7 @@
           </a:ln>
         </p:spPr>
         <p:txBody>
-          <a:bodyPr vert="horz" lIns="91440" tIns="45720" rIns="91440" bIns="45720" rtlCol="0" anchor="ctr"/>
+          <a:bodyPr vert="horz" lIns="93177" tIns="46589" rIns="93177" bIns="46589" rtlCol="0" anchor="ctr"/>
           <a:lstStyle/>
           <a:p>
             <a:endParaRPr lang="es-MX" dirty="0"/>
@@ -309,15 +309,15 @@
         </p:nvSpPr>
         <p:spPr>
           <a:xfrm>
-            <a:off x="685800" y="4343400"/>
-            <a:ext cx="5486400" cy="4114800"/>
+            <a:off x="701040" y="4415790"/>
+            <a:ext cx="5608320" cy="4183380"/>
           </a:xfrm>
           <a:prstGeom prst="rect">
             <a:avLst/>
           </a:prstGeom>
         </p:spPr>
         <p:txBody>
-          <a:bodyPr vert="horz" lIns="91440" tIns="45720" rIns="91440" bIns="45720" rtlCol="0"/>
+          <a:bodyPr vert="horz" lIns="93177" tIns="46589" rIns="93177" bIns="46589" rtlCol="0"/>
           <a:lstStyle/>
           <a:p>
             <a:pPr lvl="0"/>
@@ -369,15 +369,15 @@
         </p:nvSpPr>
         <p:spPr>
           <a:xfrm>
-            <a:off x="0" y="8685213"/>
-            <a:ext cx="2971800" cy="457200"/>
+            <a:off x="0" y="8829967"/>
+            <a:ext cx="3037840" cy="464820"/>
           </a:xfrm>
           <a:prstGeom prst="rect">
             <a:avLst/>
           </a:prstGeom>
         </p:spPr>
         <p:txBody>
-          <a:bodyPr vert="horz" lIns="91440" tIns="45720" rIns="91440" bIns="45720" rtlCol="0" anchor="b"/>
+          <a:bodyPr vert="horz" lIns="93177" tIns="46589" rIns="93177" bIns="46589" rtlCol="0" anchor="b"/>
           <a:lstStyle>
             <a:lvl1pPr algn="l">
               <a:defRPr sz="1200"/>
@@ -400,15 +400,15 @@
         </p:nvSpPr>
         <p:spPr>
           <a:xfrm>
-            <a:off x="3884613" y="8685213"/>
-            <a:ext cx="2971800" cy="457200"/>
+            <a:off x="3970938" y="8829967"/>
+            <a:ext cx="3037840" cy="464820"/>
           </a:xfrm>
           <a:prstGeom prst="rect">
             <a:avLst/>
           </a:prstGeom>
         </p:spPr>
         <p:txBody>
-          <a:bodyPr vert="horz" lIns="91440" tIns="45720" rIns="91440" bIns="45720" rtlCol="0" anchor="b"/>
+          <a:bodyPr vert="horz" lIns="93177" tIns="46589" rIns="93177" bIns="46589" rtlCol="0" anchor="b"/>
           <a:lstStyle>
             <a:lvl1pPr algn="r">
               <a:defRPr sz="1200"/>
@@ -4823,7 +4823,7 @@
           <a:p>
             <a:fld id="{B3F3E716-CACC-4490-AD07-F24B6A68DE47}" type="datetimeFigureOut">
               <a:rPr lang="es-MX" smtClean="0"/>
-              <a:t>08/03/2023</a:t>
+              <a:t>30/08/2023</a:t>
             </a:fld>
             <a:endParaRPr lang="es-MX" dirty="0"/>
           </a:p>
@@ -4993,7 +4993,7 @@
           <a:p>
             <a:fld id="{B3F3E716-CACC-4490-AD07-F24B6A68DE47}" type="datetimeFigureOut">
               <a:rPr lang="es-MX" smtClean="0"/>
-              <a:t>08/03/2023</a:t>
+              <a:t>30/08/2023</a:t>
             </a:fld>
             <a:endParaRPr lang="es-MX" dirty="0"/>
           </a:p>
@@ -5173,7 +5173,7 @@
           <a:p>
             <a:fld id="{B3F3E716-CACC-4490-AD07-F24B6A68DE47}" type="datetimeFigureOut">
               <a:rPr lang="es-MX" smtClean="0"/>
-              <a:t>08/03/2023</a:t>
+              <a:t>30/08/2023</a:t>
             </a:fld>
             <a:endParaRPr lang="es-MX" dirty="0"/>
           </a:p>
@@ -5326,7 +5326,7 @@
           <a:p>
             <a:fld id="{1D8BD707-D9CF-40AE-B4C6-C98DA3205C09}" type="datetimeFigureOut">
               <a:rPr lang="en-US" smtClean="0"/>
-              <a:t>3/8/2023</a:t>
+              <a:t>8/30/2023</a:t>
             </a:fld>
             <a:endParaRPr lang="en-US" dirty="0"/>
           </a:p>
@@ -5486,7 +5486,7 @@
           <a:p>
             <a:fld id="{B3F3E716-CACC-4490-AD07-F24B6A68DE47}" type="datetimeFigureOut">
               <a:rPr lang="es-MX" smtClean="0"/>
-              <a:t>08/03/2023</a:t>
+              <a:t>30/08/2023</a:t>
             </a:fld>
             <a:endParaRPr lang="es-MX" dirty="0"/>
           </a:p>
@@ -5732,7 +5732,7 @@
           <a:p>
             <a:fld id="{B3F3E716-CACC-4490-AD07-F24B6A68DE47}" type="datetimeFigureOut">
               <a:rPr lang="es-MX" smtClean="0"/>
-              <a:t>08/03/2023</a:t>
+              <a:t>30/08/2023</a:t>
             </a:fld>
             <a:endParaRPr lang="es-MX" dirty="0"/>
           </a:p>
@@ -6020,7 +6020,7 @@
           <a:p>
             <a:fld id="{B3F3E716-CACC-4490-AD07-F24B6A68DE47}" type="datetimeFigureOut">
               <a:rPr lang="es-MX" smtClean="0"/>
-              <a:t>08/03/2023</a:t>
+              <a:t>30/08/2023</a:t>
             </a:fld>
             <a:endParaRPr lang="es-MX" dirty="0"/>
           </a:p>
@@ -6442,7 +6442,7 @@
           <a:p>
             <a:fld id="{B3F3E716-CACC-4490-AD07-F24B6A68DE47}" type="datetimeFigureOut">
               <a:rPr lang="es-MX" smtClean="0"/>
-              <a:t>08/03/2023</a:t>
+              <a:t>30/08/2023</a:t>
             </a:fld>
             <a:endParaRPr lang="es-MX" dirty="0"/>
           </a:p>
@@ -6560,7 +6560,7 @@
           <a:p>
             <a:fld id="{B3F3E716-CACC-4490-AD07-F24B6A68DE47}" type="datetimeFigureOut">
               <a:rPr lang="es-MX" smtClean="0"/>
-              <a:t>08/03/2023</a:t>
+              <a:t>30/08/2023</a:t>
             </a:fld>
             <a:endParaRPr lang="es-MX" dirty="0"/>
           </a:p>
@@ -6655,7 +6655,7 @@
           <a:p>
             <a:fld id="{B3F3E716-CACC-4490-AD07-F24B6A68DE47}" type="datetimeFigureOut">
               <a:rPr lang="es-MX" smtClean="0"/>
-              <a:t>08/03/2023</a:t>
+              <a:t>30/08/2023</a:t>
             </a:fld>
             <a:endParaRPr lang="es-MX" dirty="0"/>
           </a:p>
@@ -6932,7 +6932,7 @@
           <a:p>
             <a:fld id="{B3F3E716-CACC-4490-AD07-F24B6A68DE47}" type="datetimeFigureOut">
               <a:rPr lang="es-MX" smtClean="0"/>
-              <a:t>08/03/2023</a:t>
+              <a:t>30/08/2023</a:t>
             </a:fld>
             <a:endParaRPr lang="es-MX" dirty="0"/>
           </a:p>
@@ -7185,7 +7185,7 @@
           <a:p>
             <a:fld id="{B3F3E716-CACC-4490-AD07-F24B6A68DE47}" type="datetimeFigureOut">
               <a:rPr lang="es-MX" smtClean="0"/>
-              <a:t>08/03/2023</a:t>
+              <a:t>30/08/2023</a:t>
             </a:fld>
             <a:endParaRPr lang="es-MX" dirty="0"/>
           </a:p>
@@ -7398,7 +7398,7 @@
           <a:p>
             <a:fld id="{B3F3E716-CACC-4490-AD07-F24B6A68DE47}" type="datetimeFigureOut">
               <a:rPr lang="es-MX" smtClean="0"/>
-              <a:t>08/03/2023</a:t>
+              <a:t>30/08/2023</a:t>
             </a:fld>
             <a:endParaRPr lang="es-MX" dirty="0"/>
           </a:p>
@@ -12142,23 +12142,7 @@
             </a:pPr>
             <a:r>
               <a:rPr lang="es-MX" sz="2000" b="1" dirty="0"/>
-              <a:t>{3,4}	Rango de números (</a:t>
-            </a:r>
-            <a:r>
-              <a:rPr lang="es-MX" sz="2000" b="1" dirty="0" err="1"/>
-              <a:t>Minimo</a:t>
-            </a:r>
-            <a:r>
-              <a:rPr lang="es-MX" sz="2000" b="1" dirty="0"/>
-              <a:t>, </a:t>
-            </a:r>
-            <a:r>
-              <a:rPr lang="es-MX" sz="2000" b="1" dirty="0" err="1"/>
-              <a:t>Maximo</a:t>
-            </a:r>
-            <a:r>
-              <a:rPr lang="es-MX" sz="2000" b="1" dirty="0"/>
-              <a:t>)</a:t>
+              <a:t>{3,4}	Rango de números (Mínimo, Máximo)</a:t>
             </a:r>
             <a:endParaRPr lang="es-MX" sz="2000" dirty="0"/>
           </a:p>
@@ -17386,31 +17370,7 @@
                 </a:solidFill>
                 <a:effectLst/>
               </a:rPr>
-              <a:t>Extraer todos los números telefónicos con espacio y </a:t>
-            </a:r>
-            <a:r>
-              <a:rPr lang="es-ES" sz="2000" i="0" dirty="0" err="1">
-                <a:solidFill>
-                  <a:schemeClr val="tx1">
-                    <a:lumMod val="95000"/>
-                    <a:lumOff val="5000"/>
-                  </a:schemeClr>
-                </a:solidFill>
-                <a:effectLst/>
-              </a:rPr>
-              <a:t>guión</a:t>
-            </a:r>
-            <a:r>
-              <a:rPr lang="es-ES" sz="2000" i="0" dirty="0">
-                <a:solidFill>
-                  <a:schemeClr val="tx1">
-                    <a:lumMod val="95000"/>
-                    <a:lumOff val="5000"/>
-                  </a:schemeClr>
-                </a:solidFill>
-                <a:effectLst/>
-              </a:rPr>
-              <a:t>.</a:t>
+              <a:t>Extraer todos los números telefónicos con espacio o guion.</a:t>
             </a:r>
             <a:endParaRPr lang="es-ES" sz="2000" b="1" dirty="0">
               <a:solidFill>
@@ -20978,29 +20938,7 @@
                   </a:schemeClr>
                 </a:solidFill>
               </a:rPr>
-              <a:t>El lenguaje de programación </a:t>
-            </a:r>
-            <a:r>
-              <a:rPr lang="es-ES" sz="1800" dirty="0" err="1">
-                <a:solidFill>
-                  <a:schemeClr val="tx1">
-                    <a:lumMod val="95000"/>
-                    <a:lumOff val="5000"/>
-                  </a:schemeClr>
-                </a:solidFill>
-              </a:rPr>
-              <a:t>python</a:t>
-            </a:r>
-            <a:r>
-              <a:rPr lang="es-ES" sz="1800" dirty="0">
-                <a:solidFill>
-                  <a:schemeClr val="tx1">
-                    <a:lumMod val="95000"/>
-                    <a:lumOff val="5000"/>
-                  </a:schemeClr>
-                </a:solidFill>
-              </a:rPr>
-              <a:t>, en su librería estándar, nos proporciona el modulo </a:t>
+              <a:t>El lenguaje de programación Python, en su librería estándar, nos proporciona el modulo </a:t>
             </a:r>
             <a:r>
               <a:rPr lang="es-ES" sz="1800" b="1" dirty="0" err="1">
